--- a/Requisitos sobrecarga de operadores.pptx
+++ b/Requisitos sobrecarga de operadores.pptx
@@ -7,14 +7,15 @@
   <p:sldIdLst>
     <p:sldId id="256" r:id="rId2"/>
     <p:sldId id="271" r:id="rId3"/>
-    <p:sldId id="257" r:id="rId4"/>
-    <p:sldId id="258" r:id="rId5"/>
-    <p:sldId id="259" r:id="rId6"/>
-    <p:sldId id="260" r:id="rId7"/>
-    <p:sldId id="261" r:id="rId8"/>
-    <p:sldId id="262" r:id="rId9"/>
-    <p:sldId id="263" r:id="rId10"/>
-    <p:sldId id="264" r:id="rId11"/>
+    <p:sldId id="272" r:id="rId4"/>
+    <p:sldId id="257" r:id="rId5"/>
+    <p:sldId id="258" r:id="rId6"/>
+    <p:sldId id="259" r:id="rId7"/>
+    <p:sldId id="260" r:id="rId8"/>
+    <p:sldId id="261" r:id="rId9"/>
+    <p:sldId id="262" r:id="rId10"/>
+    <p:sldId id="263" r:id="rId11"/>
+    <p:sldId id="264" r:id="rId12"/>
   </p:sldIdLst>
   <p:sldSz cx="12192000" cy="6858000"/>
   <p:notesSz cx="6858000" cy="9144000"/>
@@ -113,6 +114,11 @@
       </a:defRPr>
     </a:lvl9pPr>
   </p:defaultTextStyle>
+  <p:extLst>
+    <p:ext uri="{EFAFB233-063F-42B5-8137-9DF3F51BA10A}">
+      <p15:sldGuideLst xmlns:p15="http://schemas.microsoft.com/office/powerpoint/2012/main"/>
+    </p:ext>
+  </p:extLst>
 </p:presentation>
 </file>
 
@@ -2999,13 +3005,8 @@
             </a:pPr>
             <a:r>
               <a:rPr lang="pt-BR" dirty="0" smtClean="0"/>
-              <a:t>Sobrecarga de </a:t>
-            </a:r>
-            <a:r>
-              <a:rPr lang="pt-BR" dirty="0" smtClean="0"/>
-              <a:t>operadores no h</a:t>
-            </a:r>
-            <a:endParaRPr lang="pt-BR" dirty="0" smtClean="0"/>
+              <a:t>Sobrecarga de operadores no h</a:t>
+            </a:r>
           </a:p>
           <a:p>
             <a:pPr algn="l"/>
@@ -3249,6 +3250,161 @@
             </a:pPr>
             <a:r>
               <a:rPr lang="pt-BR" dirty="0" smtClean="0"/>
+              <a:t>Sobrecarga do operador &lt;</a:t>
+            </a:r>
+          </a:p>
+          <a:p>
+            <a:pPr algn="l"/>
+            <a:endParaRPr lang="pt-BR" dirty="0"/>
+          </a:p>
+        </p:txBody>
+      </p:sp>
+      <p:pic>
+        <p:nvPicPr>
+          <p:cNvPr id="2" name="Imagem 1"/>
+          <p:cNvPicPr>
+            <a:picLocks noChangeAspect="1"/>
+          </p:cNvPicPr>
+          <p:nvPr/>
+        </p:nvPicPr>
+        <p:blipFill>
+          <a:blip r:embed="rId2">
+            <a:extLst>
+              <a:ext uri="{28A0092B-C50C-407E-A947-70E740481C1C}">
+                <a14:useLocalDpi xmlns:a14="http://schemas.microsoft.com/office/drawing/2010/main" val="0"/>
+              </a:ext>
+            </a:extLst>
+          </a:blip>
+          <a:stretch>
+            <a:fillRect/>
+          </a:stretch>
+        </p:blipFill>
+        <p:spPr>
+          <a:xfrm>
+            <a:off x="1291775" y="1028457"/>
+            <a:ext cx="2981741" cy="1057423"/>
+          </a:xfrm>
+          <a:prstGeom prst="rect">
+            <a:avLst/>
+          </a:prstGeom>
+        </p:spPr>
+      </p:pic>
+      <p:pic>
+        <p:nvPicPr>
+          <p:cNvPr id="4" name="Imagem 3"/>
+          <p:cNvPicPr>
+            <a:picLocks noChangeAspect="1"/>
+          </p:cNvPicPr>
+          <p:nvPr/>
+        </p:nvPicPr>
+        <p:blipFill>
+          <a:blip r:embed="rId3">
+            <a:extLst>
+              <a:ext uri="{28A0092B-C50C-407E-A947-70E740481C1C}">
+                <a14:useLocalDpi xmlns:a14="http://schemas.microsoft.com/office/drawing/2010/main" val="0"/>
+              </a:ext>
+            </a:extLst>
+          </a:blip>
+          <a:stretch>
+            <a:fillRect/>
+          </a:stretch>
+        </p:blipFill>
+        <p:spPr>
+          <a:xfrm>
+            <a:off x="5251012" y="895900"/>
+            <a:ext cx="5734850" cy="1752845"/>
+          </a:xfrm>
+          <a:prstGeom prst="rect">
+            <a:avLst/>
+          </a:prstGeom>
+        </p:spPr>
+      </p:pic>
+      <p:pic>
+        <p:nvPicPr>
+          <p:cNvPr id="5" name="Imagem 4"/>
+          <p:cNvPicPr>
+            <a:picLocks noChangeAspect="1"/>
+          </p:cNvPicPr>
+          <p:nvPr/>
+        </p:nvPicPr>
+        <p:blipFill>
+          <a:blip r:embed="rId4">
+            <a:extLst>
+              <a:ext uri="{28A0092B-C50C-407E-A947-70E740481C1C}">
+                <a14:useLocalDpi xmlns:a14="http://schemas.microsoft.com/office/drawing/2010/main" val="0"/>
+              </a:ext>
+            </a:extLst>
+          </a:blip>
+          <a:stretch>
+            <a:fillRect/>
+          </a:stretch>
+        </p:blipFill>
+        <p:spPr>
+          <a:xfrm>
+            <a:off x="4133576" y="3195605"/>
+            <a:ext cx="3924848" cy="466790"/>
+          </a:xfrm>
+          <a:prstGeom prst="rect">
+            <a:avLst/>
+          </a:prstGeom>
+        </p:spPr>
+      </p:pic>
+    </p:spTree>
+    <p:extLst>
+      <p:ext uri="{BB962C8B-B14F-4D97-AF65-F5344CB8AC3E}">
+        <p14:creationId xmlns:p14="http://schemas.microsoft.com/office/powerpoint/2010/main" val="4159850247"/>
+      </p:ext>
+    </p:extLst>
+  </p:cSld>
+  <p:clrMapOvr>
+    <a:masterClrMapping/>
+  </p:clrMapOvr>
+</p:sld>
+</file>
+
+<file path=ppt/slides/slide11.xml><?xml version="1.0" encoding="utf-8"?>
+<p:sld xmlns:a="http://schemas.openxmlformats.org/drawingml/2006/main" xmlns:r="http://schemas.openxmlformats.org/officeDocument/2006/relationships" xmlns:p="http://schemas.openxmlformats.org/presentationml/2006/main">
+  <p:cSld>
+    <p:spTree>
+      <p:nvGrpSpPr>
+        <p:cNvPr id="1" name=""/>
+        <p:cNvGrpSpPr/>
+        <p:nvPr/>
+      </p:nvGrpSpPr>
+      <p:grpSpPr>
+        <a:xfrm>
+          <a:off x="0" y="0"/>
+          <a:ext cx="0" cy="0"/>
+          <a:chOff x="0" y="0"/>
+          <a:chExt cx="0" cy="0"/>
+        </a:xfrm>
+      </p:grpSpPr>
+      <p:sp>
+        <p:nvSpPr>
+          <p:cNvPr id="3" name="Subtítulo 2"/>
+          <p:cNvSpPr>
+            <a:spLocks noGrp="1"/>
+          </p:cNvSpPr>
+          <p:nvPr>
+            <p:ph type="subTitle" idx="1"/>
+          </p:nvPr>
+        </p:nvSpPr>
+        <p:spPr>
+          <a:xfrm>
+            <a:off x="46616" y="0"/>
+            <a:ext cx="12048565" cy="6938683"/>
+          </a:xfrm>
+        </p:spPr>
+        <p:txBody>
+          <a:bodyPr/>
+          <a:lstStyle/>
+          <a:p>
+            <a:pPr marL="342900" indent="-342900" algn="l">
+              <a:buFont typeface="Wingdings" panose="05000000000000000000" pitchFamily="2" charset="2"/>
+              <a:buChar char="v"/>
+            </a:pPr>
+            <a:r>
+              <a:rPr lang="pt-BR" dirty="0" smtClean="0"/>
               <a:t>Sobrecarga do operador &amp;&amp;</a:t>
             </a:r>
           </a:p>
@@ -3404,11 +3560,7 @@
             </a:pPr>
             <a:r>
               <a:rPr lang="pt-BR" dirty="0" smtClean="0"/>
-              <a:t>Sobrecarga do </a:t>
-            </a:r>
-            <a:r>
-              <a:rPr lang="pt-BR" dirty="0" smtClean="0"/>
-              <a:t>operador </a:t>
+              <a:t>Sobrecarga do operador </a:t>
             </a:r>
             <a:r>
               <a:rPr lang="pt-BR" dirty="0" err="1" smtClean="0"/>
@@ -3571,18 +3723,26 @@
             </a:pPr>
             <a:r>
               <a:rPr lang="pt-BR" dirty="0" smtClean="0"/>
-              <a:t>Sobrecarga do operador ==</a:t>
+              <a:t>Sobrecarga do operador </a:t>
+            </a:r>
+            <a:r>
+              <a:rPr lang="pt-BR" dirty="0" err="1" smtClean="0"/>
+              <a:t>operador</a:t>
+            </a:r>
+            <a:r>
+              <a:rPr lang="pt-BR" dirty="0" smtClean="0"/>
+              <a:t> =</a:t>
             </a:r>
           </a:p>
           <a:p>
             <a:pPr algn="l"/>
-            <a:endParaRPr lang="pt-BR" dirty="0"/>
+            <a:endParaRPr lang="pt-BR" u="sng" dirty="0"/>
           </a:p>
         </p:txBody>
       </p:sp>
       <p:pic>
         <p:nvPicPr>
-          <p:cNvPr id="2" name="Imagem 1"/>
+          <p:cNvPr id="8" name="Imagem 7"/>
           <p:cNvPicPr>
             <a:picLocks noChangeAspect="1"/>
           </p:cNvPicPr>
@@ -3602,8 +3762,8 @@
         </p:blipFill>
         <p:spPr>
           <a:xfrm>
-            <a:off x="679074" y="517682"/>
-            <a:ext cx="3238952" cy="1638529"/>
+            <a:off x="1687031" y="866514"/>
+            <a:ext cx="8125959" cy="1895740"/>
           </a:xfrm>
           <a:prstGeom prst="rect">
             <a:avLst/>
@@ -3612,7 +3772,7 @@
       </p:pic>
       <p:pic>
         <p:nvPicPr>
-          <p:cNvPr id="4" name="Imagem 3"/>
+          <p:cNvPr id="9" name="Imagem 8"/>
           <p:cNvPicPr>
             <a:picLocks noChangeAspect="1"/>
           </p:cNvPicPr>
@@ -3632,38 +3792,8 @@
         </p:blipFill>
         <p:spPr>
           <a:xfrm>
-            <a:off x="6586234" y="517682"/>
-            <a:ext cx="5144218" cy="1638529"/>
-          </a:xfrm>
-          <a:prstGeom prst="rect">
-            <a:avLst/>
-          </a:prstGeom>
-        </p:spPr>
-      </p:pic>
-      <p:pic>
-        <p:nvPicPr>
-          <p:cNvPr id="5" name="Imagem 4"/>
-          <p:cNvPicPr>
-            <a:picLocks noChangeAspect="1"/>
-          </p:cNvPicPr>
-          <p:nvPr/>
-        </p:nvPicPr>
-        <p:blipFill>
-          <a:blip r:embed="rId4">
-            <a:extLst>
-              <a:ext uri="{28A0092B-C50C-407E-A947-70E740481C1C}">
-                <a14:useLocalDpi xmlns:a14="http://schemas.microsoft.com/office/drawing/2010/main" val="0"/>
-              </a:ext>
-            </a:extLst>
-          </a:blip>
-          <a:stretch>
-            <a:fillRect/>
-          </a:stretch>
-        </p:blipFill>
-        <p:spPr>
-          <a:xfrm>
-            <a:off x="3498789" y="2673892"/>
-            <a:ext cx="4525006" cy="1590897"/>
+            <a:off x="1855497" y="3226750"/>
+            <a:ext cx="8430802" cy="2381582"/>
           </a:xfrm>
           <a:prstGeom prst="rect">
             <a:avLst/>
@@ -3673,7 +3803,7 @@
     </p:spTree>
     <p:extLst>
       <p:ext uri="{BB962C8B-B14F-4D97-AF65-F5344CB8AC3E}">
-        <p14:creationId xmlns:p14="http://schemas.microsoft.com/office/powerpoint/2010/main" val="2557041651"/>
+        <p14:creationId xmlns:p14="http://schemas.microsoft.com/office/powerpoint/2010/main" val="2444965583"/>
       </p:ext>
     </p:extLst>
   </p:cSld>
@@ -3726,18 +3856,11 @@
             </a:pPr>
             <a:r>
               <a:rPr lang="pt-BR" dirty="0" smtClean="0"/>
-              <a:t>Sobrecarga do operador == (</a:t>
-            </a:r>
-            <a:r>
-              <a:rPr lang="pt-BR" dirty="0" err="1" smtClean="0"/>
-              <a:t>main</a:t>
-            </a:r>
-            <a:r>
-              <a:rPr lang="pt-BR" dirty="0" smtClean="0"/>
-              <a:t>)</a:t>
-            </a:r>
-          </a:p>
-          <a:p>
+              <a:t>Sobrecarga do operador ==</a:t>
+            </a:r>
+          </a:p>
+          <a:p>
+            <a:pPr algn="l"/>
             <a:endParaRPr lang="pt-BR" dirty="0"/>
           </a:p>
         </p:txBody>
@@ -3764,8 +3887,8 @@
         </p:blipFill>
         <p:spPr>
           <a:xfrm>
-            <a:off x="136756" y="474216"/>
-            <a:ext cx="6582694" cy="5048955"/>
+            <a:off x="679074" y="517682"/>
+            <a:ext cx="3238952" cy="1638529"/>
           </a:xfrm>
           <a:prstGeom prst="rect">
             <a:avLst/>
@@ -3794,8 +3917,8 @@
         </p:blipFill>
         <p:spPr>
           <a:xfrm>
-            <a:off x="136756" y="5473584"/>
-            <a:ext cx="6582694" cy="504895"/>
+            <a:off x="6586234" y="517682"/>
+            <a:ext cx="5144218" cy="1638529"/>
           </a:xfrm>
           <a:prstGeom prst="rect">
             <a:avLst/>
@@ -3824,38 +3947,8 @@
         </p:blipFill>
         <p:spPr>
           <a:xfrm>
-            <a:off x="6809590" y="474216"/>
-            <a:ext cx="5010849" cy="1967770"/>
-          </a:xfrm>
-          <a:prstGeom prst="rect">
-            <a:avLst/>
-          </a:prstGeom>
-        </p:spPr>
-      </p:pic>
-      <p:pic>
-        <p:nvPicPr>
-          <p:cNvPr id="6" name="Imagem 5"/>
-          <p:cNvPicPr>
-            <a:picLocks noChangeAspect="1"/>
-          </p:cNvPicPr>
-          <p:nvPr/>
-        </p:nvPicPr>
-        <p:blipFill>
-          <a:blip r:embed="rId5">
-            <a:extLst>
-              <a:ext uri="{28A0092B-C50C-407E-A947-70E740481C1C}">
-                <a14:useLocalDpi xmlns:a14="http://schemas.microsoft.com/office/drawing/2010/main" val="0"/>
-              </a:ext>
-            </a:extLst>
-          </a:blip>
-          <a:stretch>
-            <a:fillRect/>
-          </a:stretch>
-        </p:blipFill>
-        <p:spPr>
-          <a:xfrm>
-            <a:off x="6800063" y="2916202"/>
-            <a:ext cx="5020376" cy="2306737"/>
+            <a:off x="3498789" y="2673892"/>
+            <a:ext cx="4525006" cy="1590897"/>
           </a:xfrm>
           <a:prstGeom prst="rect">
             <a:avLst/>
@@ -3865,7 +3958,7 @@
     </p:spTree>
     <p:extLst>
       <p:ext uri="{BB962C8B-B14F-4D97-AF65-F5344CB8AC3E}">
-        <p14:creationId xmlns:p14="http://schemas.microsoft.com/office/powerpoint/2010/main" val="3765782644"/>
+        <p14:creationId xmlns:p14="http://schemas.microsoft.com/office/powerpoint/2010/main" val="2557041651"/>
       </p:ext>
     </p:extLst>
   </p:cSld>
@@ -3918,11 +4011,18 @@
             </a:pPr>
             <a:r>
               <a:rPr lang="pt-BR" dirty="0" smtClean="0"/>
-              <a:t>Sobrecarga do operador!=</a:t>
-            </a:r>
-          </a:p>
-          <a:p>
-            <a:pPr algn="l"/>
+              <a:t>Sobrecarga do operador == (</a:t>
+            </a:r>
+            <a:r>
+              <a:rPr lang="pt-BR" dirty="0" err="1" smtClean="0"/>
+              <a:t>main</a:t>
+            </a:r>
+            <a:r>
+              <a:rPr lang="pt-BR" dirty="0" smtClean="0"/>
+              <a:t>)</a:t>
+            </a:r>
+          </a:p>
+          <a:p>
             <a:endParaRPr lang="pt-BR" dirty="0"/>
           </a:p>
         </p:txBody>
@@ -3949,8 +4049,8 @@
         </p:blipFill>
         <p:spPr>
           <a:xfrm>
-            <a:off x="153667" y="674201"/>
-            <a:ext cx="3515216" cy="819264"/>
+            <a:off x="136756" y="474216"/>
+            <a:ext cx="6582694" cy="5048955"/>
           </a:xfrm>
           <a:prstGeom prst="rect">
             <a:avLst/>
@@ -3979,8 +4079,8 @@
         </p:blipFill>
         <p:spPr>
           <a:xfrm>
-            <a:off x="4046459" y="636095"/>
-            <a:ext cx="3781953" cy="857370"/>
+            <a:off x="136756" y="5473584"/>
+            <a:ext cx="6582694" cy="504895"/>
           </a:xfrm>
           <a:prstGeom prst="rect">
             <a:avLst/>
@@ -4009,8 +4109,8 @@
         </p:blipFill>
         <p:spPr>
           <a:xfrm>
-            <a:off x="8205989" y="636095"/>
-            <a:ext cx="3543795" cy="895475"/>
+            <a:off x="6809590" y="474216"/>
+            <a:ext cx="5010849" cy="1967770"/>
           </a:xfrm>
           <a:prstGeom prst="rect">
             <a:avLst/>
@@ -4039,68 +4139,8 @@
         </p:blipFill>
         <p:spPr>
           <a:xfrm>
-            <a:off x="153667" y="5570159"/>
-            <a:ext cx="5887272" cy="943107"/>
-          </a:xfrm>
-          <a:prstGeom prst="rect">
-            <a:avLst/>
-          </a:prstGeom>
-        </p:spPr>
-      </p:pic>
-      <p:pic>
-        <p:nvPicPr>
-          <p:cNvPr id="7" name="Imagem 6"/>
-          <p:cNvPicPr>
-            <a:picLocks noChangeAspect="1"/>
-          </p:cNvPicPr>
-          <p:nvPr/>
-        </p:nvPicPr>
-        <p:blipFill>
-          <a:blip r:embed="rId6">
-            <a:extLst>
-              <a:ext uri="{28A0092B-C50C-407E-A947-70E740481C1C}">
-                <a14:useLocalDpi xmlns:a14="http://schemas.microsoft.com/office/drawing/2010/main" val="0"/>
-              </a:ext>
-            </a:extLst>
-          </a:blip>
-          <a:stretch>
-            <a:fillRect/>
-          </a:stretch>
-        </p:blipFill>
-        <p:spPr>
-          <a:xfrm>
-            <a:off x="6350804" y="5570159"/>
-            <a:ext cx="5744377" cy="828791"/>
-          </a:xfrm>
-          <a:prstGeom prst="rect">
-            <a:avLst/>
-          </a:prstGeom>
-        </p:spPr>
-      </p:pic>
-      <p:pic>
-        <p:nvPicPr>
-          <p:cNvPr id="8" name="Imagem 7"/>
-          <p:cNvPicPr>
-            <a:picLocks noChangeAspect="1"/>
-          </p:cNvPicPr>
-          <p:nvPr/>
-        </p:nvPicPr>
-        <p:blipFill>
-          <a:blip r:embed="rId7">
-            <a:extLst>
-              <a:ext uri="{28A0092B-C50C-407E-A947-70E740481C1C}">
-                <a14:useLocalDpi xmlns:a14="http://schemas.microsoft.com/office/drawing/2010/main" val="0"/>
-              </a:ext>
-            </a:extLst>
-          </a:blip>
-          <a:stretch>
-            <a:fillRect/>
-          </a:stretch>
-        </p:blipFill>
-        <p:spPr>
-          <a:xfrm>
-            <a:off x="2790363" y="1695208"/>
-            <a:ext cx="6611273" cy="3467584"/>
+            <a:off x="6800063" y="2916202"/>
+            <a:ext cx="5020376" cy="2306737"/>
           </a:xfrm>
           <a:prstGeom prst="rect">
             <a:avLst/>
@@ -4110,7 +4150,7 @@
     </p:spTree>
     <p:extLst>
       <p:ext uri="{BB962C8B-B14F-4D97-AF65-F5344CB8AC3E}">
-        <p14:creationId xmlns:p14="http://schemas.microsoft.com/office/powerpoint/2010/main" val="3181512618"/>
+        <p14:creationId xmlns:p14="http://schemas.microsoft.com/office/powerpoint/2010/main" val="3765782644"/>
       </p:ext>
     </p:extLst>
   </p:cSld>
@@ -4157,13 +4197,13 @@
           <a:bodyPr/>
           <a:lstStyle/>
           <a:p>
-            <a:pPr marL="342900" indent="-342900" algn="l">
+            <a:pPr marL="342900" indent="-342900">
               <a:buFont typeface="Wingdings" panose="05000000000000000000" pitchFamily="2" charset="2"/>
               <a:buChar char="v"/>
             </a:pPr>
             <a:r>
               <a:rPr lang="pt-BR" dirty="0" smtClean="0"/>
-              <a:t>Sobrecarga do operador [] (Operador de subscrito)</a:t>
+              <a:t>Sobrecarga do operador!=</a:t>
             </a:r>
           </a:p>
           <a:p>
@@ -4194,8 +4234,8 @@
         </p:blipFill>
         <p:spPr>
           <a:xfrm>
-            <a:off x="46616" y="507555"/>
-            <a:ext cx="3258005" cy="1819529"/>
+            <a:off x="153667" y="674201"/>
+            <a:ext cx="3515216" cy="819264"/>
           </a:xfrm>
           <a:prstGeom prst="rect">
             <a:avLst/>
@@ -4224,8 +4264,8 @@
         </p:blipFill>
         <p:spPr>
           <a:xfrm>
-            <a:off x="3403525" y="431344"/>
-            <a:ext cx="4296375" cy="1971950"/>
+            <a:off x="4046459" y="636095"/>
+            <a:ext cx="3781953" cy="857370"/>
           </a:xfrm>
           <a:prstGeom prst="rect">
             <a:avLst/>
@@ -4254,8 +4294,8 @@
         </p:blipFill>
         <p:spPr>
           <a:xfrm>
-            <a:off x="7918041" y="431344"/>
-            <a:ext cx="3743847" cy="2000529"/>
+            <a:off x="8205989" y="636095"/>
+            <a:ext cx="3543795" cy="895475"/>
           </a:xfrm>
           <a:prstGeom prst="rect">
             <a:avLst/>
@@ -4284,8 +4324,8 @@
         </p:blipFill>
         <p:spPr>
           <a:xfrm>
-            <a:off x="46616" y="2593698"/>
-            <a:ext cx="5772956" cy="2638793"/>
+            <a:off x="153667" y="5570159"/>
+            <a:ext cx="5887272" cy="943107"/>
           </a:xfrm>
           <a:prstGeom prst="rect">
             <a:avLst/>
@@ -4314,8 +4354,38 @@
         </p:blipFill>
         <p:spPr>
           <a:xfrm>
-            <a:off x="6070898" y="3284356"/>
-            <a:ext cx="5839640" cy="1257475"/>
+            <a:off x="6350804" y="5570159"/>
+            <a:ext cx="5744377" cy="828791"/>
+          </a:xfrm>
+          <a:prstGeom prst="rect">
+            <a:avLst/>
+          </a:prstGeom>
+        </p:spPr>
+      </p:pic>
+      <p:pic>
+        <p:nvPicPr>
+          <p:cNvPr id="8" name="Imagem 7"/>
+          <p:cNvPicPr>
+            <a:picLocks noChangeAspect="1"/>
+          </p:cNvPicPr>
+          <p:nvPr/>
+        </p:nvPicPr>
+        <p:blipFill>
+          <a:blip r:embed="rId7">
+            <a:extLst>
+              <a:ext uri="{28A0092B-C50C-407E-A947-70E740481C1C}">
+                <a14:useLocalDpi xmlns:a14="http://schemas.microsoft.com/office/drawing/2010/main" val="0"/>
+              </a:ext>
+            </a:extLst>
+          </a:blip>
+          <a:stretch>
+            <a:fillRect/>
+          </a:stretch>
+        </p:blipFill>
+        <p:spPr>
+          <a:xfrm>
+            <a:off x="2790363" y="1695208"/>
+            <a:ext cx="6611273" cy="3467584"/>
           </a:xfrm>
           <a:prstGeom prst="rect">
             <a:avLst/>
@@ -4325,7 +4395,7 @@
     </p:spTree>
     <p:extLst>
       <p:ext uri="{BB962C8B-B14F-4D97-AF65-F5344CB8AC3E}">
-        <p14:creationId xmlns:p14="http://schemas.microsoft.com/office/powerpoint/2010/main" val="388577276"/>
+        <p14:creationId xmlns:p14="http://schemas.microsoft.com/office/powerpoint/2010/main" val="3181512618"/>
       </p:ext>
     </p:extLst>
   </p:cSld>
@@ -4378,15 +4448,7 @@
             </a:pPr>
             <a:r>
               <a:rPr lang="pt-BR" dirty="0" smtClean="0"/>
-              <a:t>Sobrecarga do operador []</a:t>
-            </a:r>
-            <a:r>
-              <a:rPr lang="pt-BR" dirty="0" err="1" smtClean="0"/>
-              <a:t>const</a:t>
-            </a:r>
-            <a:r>
-              <a:rPr lang="pt-BR" dirty="0" smtClean="0"/>
-              <a:t> (Operador de subscrito)</a:t>
+              <a:t>Sobrecarga do operador [] (Operador de subscrito)</a:t>
             </a:r>
           </a:p>
           <a:p>
@@ -4417,8 +4479,8 @@
         </p:blipFill>
         <p:spPr>
           <a:xfrm>
-            <a:off x="157037" y="475121"/>
-            <a:ext cx="3400900" cy="1733792"/>
+            <a:off x="46616" y="507555"/>
+            <a:ext cx="3258005" cy="1819529"/>
           </a:xfrm>
           <a:prstGeom prst="rect">
             <a:avLst/>
@@ -4447,8 +4509,8 @@
         </p:blipFill>
         <p:spPr>
           <a:xfrm>
-            <a:off x="3668358" y="398910"/>
-            <a:ext cx="4229690" cy="1886213"/>
+            <a:off x="3403525" y="431344"/>
+            <a:ext cx="4296375" cy="1971950"/>
           </a:xfrm>
           <a:prstGeom prst="rect">
             <a:avLst/>
@@ -4477,8 +4539,8 @@
         </p:blipFill>
         <p:spPr>
           <a:xfrm>
-            <a:off x="8190116" y="465593"/>
-            <a:ext cx="3772426" cy="1752845"/>
+            <a:off x="7918041" y="431344"/>
+            <a:ext cx="3743847" cy="2000529"/>
           </a:xfrm>
           <a:prstGeom prst="rect">
             <a:avLst/>
@@ -4507,8 +4569,8 @@
         </p:blipFill>
         <p:spPr>
           <a:xfrm>
-            <a:off x="296037" y="2531642"/>
-            <a:ext cx="5487166" cy="3381847"/>
+            <a:off x="46616" y="2593698"/>
+            <a:ext cx="5772956" cy="2638793"/>
           </a:xfrm>
           <a:prstGeom prst="rect">
             <a:avLst/>
@@ -4537,8 +4599,8 @@
         </p:blipFill>
         <p:spPr>
           <a:xfrm>
-            <a:off x="5900401" y="3311963"/>
-            <a:ext cx="6134956" cy="685896"/>
+            <a:off x="6070898" y="3284356"/>
+            <a:ext cx="5839640" cy="1257475"/>
           </a:xfrm>
           <a:prstGeom prst="rect">
             <a:avLst/>
@@ -4548,7 +4610,7 @@
     </p:spTree>
     <p:extLst>
       <p:ext uri="{BB962C8B-B14F-4D97-AF65-F5344CB8AC3E}">
-        <p14:creationId xmlns:p14="http://schemas.microsoft.com/office/powerpoint/2010/main" val="936854476"/>
+        <p14:creationId xmlns:p14="http://schemas.microsoft.com/office/powerpoint/2010/main" val="388577276"/>
       </p:ext>
     </p:extLst>
   </p:cSld>
@@ -4601,9 +4663,16 @@
             </a:pPr>
             <a:r>
               <a:rPr lang="pt-BR" dirty="0" smtClean="0"/>
-              <a:t>Sobrecarga do operador &lt;&lt;</a:t>
-            </a:r>
-            <a:endParaRPr lang="pt-BR" u="sng" dirty="0" smtClean="0"/>
+              <a:t>Sobrecarga do operador []</a:t>
+            </a:r>
+            <a:r>
+              <a:rPr lang="pt-BR" dirty="0" err="1" smtClean="0"/>
+              <a:t>const</a:t>
+            </a:r>
+            <a:r>
+              <a:rPr lang="pt-BR" dirty="0" smtClean="0"/>
+              <a:t> (Operador de subscrito)</a:t>
+            </a:r>
           </a:p>
           <a:p>
             <a:pPr algn="l"/>
@@ -4633,8 +4702,8 @@
         </p:blipFill>
         <p:spPr>
           <a:xfrm>
-            <a:off x="129593" y="623361"/>
-            <a:ext cx="4058216" cy="1114581"/>
+            <a:off x="157037" y="475121"/>
+            <a:ext cx="3400900" cy="1733792"/>
           </a:xfrm>
           <a:prstGeom prst="rect">
             <a:avLst/>
@@ -4663,8 +4732,8 @@
         </p:blipFill>
         <p:spPr>
           <a:xfrm>
-            <a:off x="4369068" y="475702"/>
-            <a:ext cx="7544853" cy="1409897"/>
+            <a:off x="3668358" y="398910"/>
+            <a:ext cx="4229690" cy="1886213"/>
           </a:xfrm>
           <a:prstGeom prst="rect">
             <a:avLst/>
@@ -4693,7 +4762,7 @@
         </p:blipFill>
         <p:spPr>
           <a:xfrm>
-            <a:off x="129593" y="2176059"/>
+            <a:off x="8190116" y="465593"/>
             <a:ext cx="3772426" cy="1752845"/>
           </a:xfrm>
           <a:prstGeom prst="rect">
@@ -4723,8 +4792,8 @@
         </p:blipFill>
         <p:spPr>
           <a:xfrm>
-            <a:off x="4906023" y="2176059"/>
-            <a:ext cx="5973009" cy="2410161"/>
+            <a:off x="296037" y="2531642"/>
+            <a:ext cx="5487166" cy="3381847"/>
           </a:xfrm>
           <a:prstGeom prst="rect">
             <a:avLst/>
@@ -4753,8 +4822,8 @@
         </p:blipFill>
         <p:spPr>
           <a:xfrm>
-            <a:off x="2295771" y="4824108"/>
-            <a:ext cx="6115904" cy="1876687"/>
+            <a:off x="5900401" y="3311963"/>
+            <a:ext cx="6134956" cy="685896"/>
           </a:xfrm>
           <a:prstGeom prst="rect">
             <a:avLst/>
@@ -4764,7 +4833,7 @@
     </p:spTree>
     <p:extLst>
       <p:ext uri="{BB962C8B-B14F-4D97-AF65-F5344CB8AC3E}">
-        <p14:creationId xmlns:p14="http://schemas.microsoft.com/office/powerpoint/2010/main" val="4284292798"/>
+        <p14:creationId xmlns:p14="http://schemas.microsoft.com/office/powerpoint/2010/main" val="936854476"/>
       </p:ext>
     </p:extLst>
   </p:cSld>
@@ -4817,8 +4886,9 @@
             </a:pPr>
             <a:r>
               <a:rPr lang="pt-BR" dirty="0" smtClean="0"/>
-              <a:t>Sobrecarga do operador &lt;</a:t>
-            </a:r>
+              <a:t>Sobrecarga do operador &lt;&lt;</a:t>
+            </a:r>
+            <a:endParaRPr lang="pt-BR" u="sng" dirty="0" smtClean="0"/>
           </a:p>
           <a:p>
             <a:pPr algn="l"/>
@@ -4848,8 +4918,8 @@
         </p:blipFill>
         <p:spPr>
           <a:xfrm>
-            <a:off x="1291775" y="1028457"/>
-            <a:ext cx="2981741" cy="1057423"/>
+            <a:off x="129593" y="623361"/>
+            <a:ext cx="4058216" cy="1114581"/>
           </a:xfrm>
           <a:prstGeom prst="rect">
             <a:avLst/>
@@ -4878,8 +4948,8 @@
         </p:blipFill>
         <p:spPr>
           <a:xfrm>
-            <a:off x="5251012" y="895900"/>
-            <a:ext cx="5734850" cy="1752845"/>
+            <a:off x="4369068" y="475702"/>
+            <a:ext cx="7544853" cy="1409897"/>
           </a:xfrm>
           <a:prstGeom prst="rect">
             <a:avLst/>
@@ -4908,8 +4978,68 @@
         </p:blipFill>
         <p:spPr>
           <a:xfrm>
-            <a:off x="4133576" y="3195605"/>
-            <a:ext cx="3924848" cy="466790"/>
+            <a:off x="129593" y="2176059"/>
+            <a:ext cx="3772426" cy="1752845"/>
+          </a:xfrm>
+          <a:prstGeom prst="rect">
+            <a:avLst/>
+          </a:prstGeom>
+        </p:spPr>
+      </p:pic>
+      <p:pic>
+        <p:nvPicPr>
+          <p:cNvPr id="6" name="Imagem 5"/>
+          <p:cNvPicPr>
+            <a:picLocks noChangeAspect="1"/>
+          </p:cNvPicPr>
+          <p:nvPr/>
+        </p:nvPicPr>
+        <p:blipFill>
+          <a:blip r:embed="rId5">
+            <a:extLst>
+              <a:ext uri="{28A0092B-C50C-407E-A947-70E740481C1C}">
+                <a14:useLocalDpi xmlns:a14="http://schemas.microsoft.com/office/drawing/2010/main" val="0"/>
+              </a:ext>
+            </a:extLst>
+          </a:blip>
+          <a:stretch>
+            <a:fillRect/>
+          </a:stretch>
+        </p:blipFill>
+        <p:spPr>
+          <a:xfrm>
+            <a:off x="4906023" y="2176059"/>
+            <a:ext cx="5973009" cy="2410161"/>
+          </a:xfrm>
+          <a:prstGeom prst="rect">
+            <a:avLst/>
+          </a:prstGeom>
+        </p:spPr>
+      </p:pic>
+      <p:pic>
+        <p:nvPicPr>
+          <p:cNvPr id="7" name="Imagem 6"/>
+          <p:cNvPicPr>
+            <a:picLocks noChangeAspect="1"/>
+          </p:cNvPicPr>
+          <p:nvPr/>
+        </p:nvPicPr>
+        <p:blipFill>
+          <a:blip r:embed="rId6">
+            <a:extLst>
+              <a:ext uri="{28A0092B-C50C-407E-A947-70E740481C1C}">
+                <a14:useLocalDpi xmlns:a14="http://schemas.microsoft.com/office/drawing/2010/main" val="0"/>
+              </a:ext>
+            </a:extLst>
+          </a:blip>
+          <a:stretch>
+            <a:fillRect/>
+          </a:stretch>
+        </p:blipFill>
+        <p:spPr>
+          <a:xfrm>
+            <a:off x="2295771" y="4824108"/>
+            <a:ext cx="6115904" cy="1876687"/>
           </a:xfrm>
           <a:prstGeom prst="rect">
             <a:avLst/>
@@ -4919,7 +5049,7 @@
     </p:spTree>
     <p:extLst>
       <p:ext uri="{BB962C8B-B14F-4D97-AF65-F5344CB8AC3E}">
-        <p14:creationId xmlns:p14="http://schemas.microsoft.com/office/powerpoint/2010/main" val="4159850247"/>
+        <p14:creationId xmlns:p14="http://schemas.microsoft.com/office/powerpoint/2010/main" val="4284292798"/>
       </p:ext>
     </p:extLst>
   </p:cSld>
